--- a/_book/plot/global-category-1.pptx
+++ b/_book/plot/global-category-1.pptx
@@ -3123,7 +3123,7 @@
           <p:spPr>
             <a:xfrm>
               <a:off x="2148681" y="1495425"/>
-              <a:ext cx="6400800" cy="4571999"/>
+              <a:ext cx="6400799" cy="4571999"/>
             </a:xfrm>
             <a:prstGeom prst="rect">
               <a:avLst/>
@@ -3866,8 +3866,8 @@
           </p:nvSpPr>
           <p:spPr>
             <a:xfrm>
-              <a:off x="5681697" y="5219969"/>
-              <a:ext cx="765351" cy="73942"/>
+              <a:off x="5669374" y="5214110"/>
+              <a:ext cx="789997" cy="76323"/>
             </a:xfrm>
             <a:prstGeom prst="rect">
               <a:avLst/>
@@ -3880,7 +3880,7 @@
             <a:p>
               <a:pPr algn="l" marL="0" marR="0" indent="0">
                 <a:lnSpc>
-                  <a:spcPts val="786"/>
+                  <a:spcPts val="811"/>
                 </a:lnSpc>
                 <a:spcBef>
                   <a:spcPts val="0"/>
@@ -3890,7 +3890,7 @@
                 </a:spcAft>
               </a:pPr>
               <a:r>
-                <a:rPr sz="786" b="1">
+                <a:rPr sz="811" b="1">
                   <a:solidFill>
                     <a:srgbClr val="000000">
                       <a:alpha val="100000"/>
@@ -3912,8 +3912,8 @@
           </p:nvSpPr>
           <p:spPr>
             <a:xfrm>
-              <a:off x="5745525" y="5363765"/>
-              <a:ext cx="637695" cy="73893"/>
+              <a:off x="5735257" y="5362536"/>
+              <a:ext cx="658230" cy="76272"/>
             </a:xfrm>
             <a:prstGeom prst="rect">
               <a:avLst/>
@@ -3926,7 +3926,7 @@
             <a:p>
               <a:pPr algn="l" marL="0" marR="0" indent="0">
                 <a:lnSpc>
-                  <a:spcPts val="786"/>
+                  <a:spcPts val="811"/>
                 </a:lnSpc>
                 <a:spcBef>
                   <a:spcPts val="0"/>
@@ -3936,7 +3936,7 @@
                 </a:spcAft>
               </a:pPr>
               <a:r>
-                <a:rPr sz="786" b="1">
+                <a:rPr sz="811" b="1">
                   <a:solidFill>
                     <a:srgbClr val="000000">
                       <a:alpha val="100000"/>
@@ -3958,8 +3958,8 @@
           </p:nvSpPr>
           <p:spPr>
             <a:xfrm>
-              <a:off x="5834211" y="5507512"/>
-              <a:ext cx="460322" cy="73893"/>
+              <a:off x="5826800" y="5510912"/>
+              <a:ext cx="475145" cy="76272"/>
             </a:xfrm>
             <a:prstGeom prst="rect">
               <a:avLst/>
@@ -3972,7 +3972,7 @@
             <a:p>
               <a:pPr algn="l" marL="0" marR="0" indent="0">
                 <a:lnSpc>
-                  <a:spcPts val="786"/>
+                  <a:spcPts val="811"/>
                 </a:lnSpc>
                 <a:spcBef>
                   <a:spcPts val="0"/>
@@ -3982,7 +3982,7 @@
                 </a:spcAft>
               </a:pPr>
               <a:r>
-                <a:rPr sz="786" b="1">
+                <a:rPr sz="811" b="1">
                   <a:solidFill>
                     <a:srgbClr val="000000">
                       <a:alpha val="100000"/>
@@ -4142,8 +4142,8 @@
           </p:nvSpPr>
           <p:spPr>
             <a:xfrm>
-              <a:off x="7607660" y="5505618"/>
-              <a:ext cx="721899" cy="90798"/>
+              <a:off x="7610957" y="5506852"/>
+              <a:ext cx="715306" cy="89969"/>
             </a:xfrm>
             <a:prstGeom prst="rect">
               <a:avLst/>
@@ -4156,7 +4156,7 @@
             <a:p>
               <a:pPr algn="l" marL="0" marR="0" indent="0">
                 <a:lnSpc>
-                  <a:spcPts val="965"/>
+                  <a:spcPts val="956"/>
                 </a:lnSpc>
                 <a:spcBef>
                   <a:spcPts val="0"/>
@@ -4166,7 +4166,7 @@
                 </a:spcAft>
               </a:pPr>
               <a:r>
-                <a:rPr sz="965" b="1">
+                <a:rPr sz="956" b="1">
                   <a:solidFill>
                     <a:srgbClr val="000000">
                       <a:alpha val="100000"/>
@@ -4188,8 +4188,8 @@
           </p:nvSpPr>
           <p:spPr>
             <a:xfrm>
-              <a:off x="7702978" y="5685187"/>
-              <a:ext cx="531264" cy="87746"/>
+              <a:off x="7705404" y="5684782"/>
+              <a:ext cx="526412" cy="86944"/>
             </a:xfrm>
             <a:prstGeom prst="rect">
               <a:avLst/>
@@ -4202,7 +4202,7 @@
             <a:p>
               <a:pPr algn="l" marL="0" marR="0" indent="0">
                 <a:lnSpc>
-                  <a:spcPts val="965"/>
+                  <a:spcPts val="956"/>
                 </a:lnSpc>
                 <a:spcBef>
                   <a:spcPts val="0"/>
@@ -4212,7 +4212,7 @@
                 </a:spcAft>
               </a:pPr>
               <a:r>
-                <a:rPr sz="965" b="1">
+                <a:rPr sz="956" b="1">
                   <a:solidFill>
                     <a:srgbClr val="000000">
                       <a:alpha val="100000"/>
@@ -4372,8 +4372,8 @@
           </p:nvSpPr>
           <p:spPr>
             <a:xfrm>
-              <a:off x="7213704" y="2672858"/>
-              <a:ext cx="1089606" cy="71561"/>
+              <a:off x="7228438" y="2675740"/>
+              <a:ext cx="1060137" cy="69626"/>
             </a:xfrm>
             <a:prstGeom prst="rect">
               <a:avLst/>
@@ -4386,7 +4386,7 @@
             <a:p>
               <a:pPr algn="l" marL="0" marR="0" indent="0">
                 <a:lnSpc>
-                  <a:spcPts val="760"/>
+                  <a:spcPts val="740"/>
                 </a:lnSpc>
                 <a:spcBef>
                   <a:spcPts val="0"/>
@@ -4396,7 +4396,7 @@
                 </a:spcAft>
               </a:pPr>
               <a:r>
-                <a:rPr sz="760" b="1">
+                <a:rPr sz="740" b="1">
                   <a:solidFill>
                     <a:srgbClr val="000000">
                       <a:alpha val="100000"/>
@@ -4418,8 +4418,8 @@
           </p:nvSpPr>
           <p:spPr>
             <a:xfrm>
-              <a:off x="7420346" y="2812025"/>
-              <a:ext cx="676322" cy="71514"/>
+              <a:off x="7429492" y="2811142"/>
+              <a:ext cx="658030" cy="69580"/>
             </a:xfrm>
             <a:prstGeom prst="rect">
               <a:avLst/>
@@ -4432,7 +4432,7 @@
             <a:p>
               <a:pPr algn="l" marL="0" marR="0" indent="0">
                 <a:lnSpc>
-                  <a:spcPts val="760"/>
+                  <a:spcPts val="740"/>
                 </a:lnSpc>
                 <a:spcBef>
                   <a:spcPts val="0"/>
@@ -4442,7 +4442,7 @@
                 </a:spcAft>
               </a:pPr>
               <a:r>
-                <a:rPr sz="760" b="1">
+                <a:rPr sz="740" b="1">
                   <a:solidFill>
                     <a:srgbClr val="000000">
                       <a:alpha val="100000"/>
@@ -4694,8 +4694,8 @@
           </p:nvSpPr>
           <p:spPr>
             <a:xfrm>
-              <a:off x="6538698" y="5551625"/>
-              <a:ext cx="988807" cy="72440"/>
+              <a:off x="6566671" y="5557727"/>
+              <a:ext cx="932861" cy="68341"/>
             </a:xfrm>
             <a:prstGeom prst="rect">
               <a:avLst/>
@@ -4708,7 +4708,7 @@
             <a:p>
               <a:pPr algn="l" marL="0" marR="0" indent="0">
                 <a:lnSpc>
-                  <a:spcPts val="770"/>
+                  <a:spcPts val="726"/>
                 </a:lnSpc>
                 <a:spcBef>
                   <a:spcPts val="0"/>
@@ -4718,7 +4718,7 @@
                 </a:spcAft>
               </a:pPr>
               <a:r>
-                <a:rPr sz="770" b="1">
+                <a:rPr sz="726" b="1">
                   <a:solidFill>
                     <a:srgbClr val="000000">
                       <a:alpha val="100000"/>
@@ -4740,8 +4740,8 @@
           </p:nvSpPr>
           <p:spPr>
             <a:xfrm>
-              <a:off x="6783118" y="5692452"/>
-              <a:ext cx="499966" cy="72440"/>
+              <a:off x="6797262" y="5690587"/>
+              <a:ext cx="471679" cy="68341"/>
             </a:xfrm>
             <a:prstGeom prst="rect">
               <a:avLst/>
@@ -4754,7 +4754,7 @@
             <a:p>
               <a:pPr algn="l" marL="0" marR="0" indent="0">
                 <a:lnSpc>
-                  <a:spcPts val="770"/>
+                  <a:spcPts val="726"/>
                 </a:lnSpc>
                 <a:spcBef>
                   <a:spcPts val="0"/>
@@ -4764,7 +4764,7 @@
                 </a:spcAft>
               </a:pPr>
               <a:r>
-                <a:rPr sz="770" b="1">
+                <a:rPr sz="726" b="1">
                   <a:solidFill>
                     <a:srgbClr val="000000">
                       <a:alpha val="100000"/>
@@ -4924,8 +4924,8 @@
           </p:nvSpPr>
           <p:spPr>
             <a:xfrm>
-              <a:off x="6538323" y="4013816"/>
-              <a:ext cx="932104" cy="79105"/>
+              <a:off x="6486886" y="4000814"/>
+              <a:ext cx="1034978" cy="87836"/>
             </a:xfrm>
             <a:prstGeom prst="rect">
               <a:avLst/>
@@ -4938,7 +4938,7 @@
             <a:p>
               <a:pPr algn="l" marL="0" marR="0" indent="0">
                 <a:lnSpc>
-                  <a:spcPts val="841"/>
+                  <a:spcPts val="934"/>
                 </a:lnSpc>
                 <a:spcBef>
                   <a:spcPts val="0"/>
@@ -4948,7 +4948,7 @@
                 </a:spcAft>
               </a:pPr>
               <a:r>
-                <a:rPr sz="841" b="1">
+                <a:rPr sz="934" b="1">
                   <a:solidFill>
                     <a:srgbClr val="000000">
                       <a:alpha val="100000"/>
@@ -4970,8 +4970,8 @@
           </p:nvSpPr>
           <p:spPr>
             <a:xfrm>
-              <a:off x="6695648" y="4167703"/>
-              <a:ext cx="617454" cy="79105"/>
+              <a:off x="6661574" y="4171686"/>
+              <a:ext cx="685601" cy="87836"/>
             </a:xfrm>
             <a:prstGeom prst="rect">
               <a:avLst/>
@@ -4984,7 +4984,7 @@
             <a:p>
               <a:pPr algn="l" marL="0" marR="0" indent="0">
                 <a:lnSpc>
-                  <a:spcPts val="841"/>
+                  <a:spcPts val="934"/>
                 </a:lnSpc>
                 <a:spcBef>
                   <a:spcPts val="0"/>
@@ -4994,7 +4994,7 @@
                 </a:spcAft>
               </a:pPr>
               <a:r>
-                <a:rPr sz="841" b="1">
+                <a:rPr sz="934" b="1">
                   <a:solidFill>
                     <a:srgbClr val="000000">
                       <a:alpha val="100000"/>
@@ -5016,8 +5016,8 @@
           </p:nvSpPr>
           <p:spPr>
             <a:xfrm>
-              <a:off x="5668807" y="4107579"/>
-              <a:ext cx="791130" cy="87863"/>
+              <a:off x="5678401" y="4110788"/>
+              <a:ext cx="771942" cy="85732"/>
             </a:xfrm>
             <a:prstGeom prst="rect">
               <a:avLst/>
@@ -5030,7 +5030,7 @@
             <a:p>
               <a:pPr algn="l" marL="0" marR="0" indent="0">
                 <a:lnSpc>
-                  <a:spcPts val="966"/>
+                  <a:spcPts val="943"/>
                 </a:lnSpc>
                 <a:spcBef>
                   <a:spcPts val="0"/>
@@ -5040,7 +5040,7 @@
                 </a:spcAft>
               </a:pPr>
               <a:r>
-                <a:rPr sz="966" b="1">
+                <a:rPr sz="943" b="1">
                   <a:solidFill>
                     <a:srgbClr val="000000">
                       <a:alpha val="100000"/>
@@ -5062,8 +5062,8 @@
           </p:nvSpPr>
           <p:spPr>
             <a:xfrm>
-              <a:off x="5750617" y="4281276"/>
-              <a:ext cx="627510" cy="90920"/>
+              <a:off x="5758227" y="4280272"/>
+              <a:ext cx="612291" cy="88714"/>
             </a:xfrm>
             <a:prstGeom prst="rect">
               <a:avLst/>
@@ -5076,7 +5076,7 @@
             <a:p>
               <a:pPr algn="l" marL="0" marR="0" indent="0">
                 <a:lnSpc>
-                  <a:spcPts val="966"/>
+                  <a:spcPts val="943"/>
                 </a:lnSpc>
                 <a:spcBef>
                   <a:spcPts val="0"/>
@@ -5086,7 +5086,7 @@
                 </a:spcAft>
               </a:pPr>
               <a:r>
-                <a:rPr sz="966" b="1">
+                <a:rPr sz="943" b="1">
                   <a:solidFill>
                     <a:srgbClr val="000000">
                       <a:alpha val="100000"/>

--- a/_book/plot/global-category-1.pptx
+++ b/_book/plot/global-category-1.pptx
@@ -3108,10 +3108,10 @@
         </p:nvGrpSpPr>
         <p:grpSpPr>
           <a:xfrm>
-            <a:off x="2148682" y="1495425"/>
-            <a:ext cx="6400800" cy="4572000"/>
-            <a:chOff x="2148682" y="1495425"/>
-            <a:chExt cx="6400800" cy="4572000"/>
+            <a:off x="1691482" y="1521028"/>
+            <a:ext cx="7315200" cy="4520794"/>
+            <a:chOff x="1691482" y="1521028"/>
+            <a:chExt cx="7315200" cy="4520794"/>
           </a:xfrm>
         </p:grpSpPr>
         <p:sp>
@@ -3122,8 +3122,8 @@
           </p:nvSpPr>
           <p:spPr>
             <a:xfrm>
-              <a:off x="2148681" y="1495425"/>
-              <a:ext cx="6400799" cy="4571999"/>
+              <a:off x="1691481" y="1521028"/>
+              <a:ext cx="7315199" cy="4520793"/>
             </a:xfrm>
             <a:prstGeom prst="rect">
               <a:avLst/>
@@ -3157,7 +3157,7 @@
           </p:nvSpPr>
           <p:spPr>
             <a:xfrm>
-              <a:off x="4271863" y="1642220"/>
+              <a:off x="4271863" y="1667823"/>
               <a:ext cx="2154435" cy="166861"/>
             </a:xfrm>
             <a:prstGeom prst="rect">
@@ -3203,8 +3203,8 @@
           </p:nvSpPr>
           <p:spPr>
             <a:xfrm>
-              <a:off x="4318617" y="3653339"/>
-              <a:ext cx="1311663" cy="1183549"/>
+              <a:off x="6164660" y="1931068"/>
+              <a:ext cx="1355644" cy="1301913"/>
             </a:xfrm>
             <a:prstGeom prst="rect">
               <a:avLst/>
@@ -3238,8 +3238,8 @@
           </p:nvSpPr>
           <p:spPr>
             <a:xfrm>
-              <a:off x="5630280" y="4826436"/>
-              <a:ext cx="868185" cy="1150988"/>
+              <a:off x="7072745" y="3232981"/>
+              <a:ext cx="890970" cy="1275085"/>
             </a:xfrm>
             <a:prstGeom prst="rect">
               <a:avLst/>
@@ -3273,8 +3273,8 @@
           </p:nvSpPr>
           <p:spPr>
             <a:xfrm>
-              <a:off x="4318617" y="1905464"/>
-              <a:ext cx="1468533" cy="1747874"/>
+              <a:off x="4162635" y="1931068"/>
+              <a:ext cx="2002025" cy="1457618"/>
             </a:xfrm>
             <a:prstGeom prst="rect">
               <a:avLst/>
@@ -3308,8 +3308,8 @@
           </p:nvSpPr>
           <p:spPr>
             <a:xfrm>
-              <a:off x="7567739" y="5304179"/>
-              <a:ext cx="801742" cy="673245"/>
+              <a:off x="7427883" y="5513116"/>
+              <a:ext cx="1398797" cy="438704"/>
             </a:xfrm>
             <a:prstGeom prst="rect">
               <a:avLst/>
@@ -3343,8 +3343,8 @@
           </p:nvSpPr>
           <p:spPr>
             <a:xfrm>
-              <a:off x="7510285" y="3653339"/>
-              <a:ext cx="859195" cy="956555"/>
+              <a:off x="6164660" y="4508066"/>
+              <a:ext cx="1263223" cy="739675"/>
             </a:xfrm>
             <a:prstGeom prst="rect">
               <a:avLst/>
@@ -3378,8 +3378,8 @@
           </p:nvSpPr>
           <p:spPr>
             <a:xfrm>
-              <a:off x="2328681" y="3988942"/>
-              <a:ext cx="1989935" cy="1988482"/>
+              <a:off x="1871481" y="3988345"/>
+              <a:ext cx="2291153" cy="1963476"/>
             </a:xfrm>
             <a:prstGeom prst="rect">
               <a:avLst/>
@@ -3413,8 +3413,8 @@
           </p:nvSpPr>
           <p:spPr>
             <a:xfrm>
-              <a:off x="7147533" y="1905464"/>
-              <a:ext cx="1221948" cy="1747874"/>
+              <a:off x="4162635" y="4738956"/>
+              <a:ext cx="2002025" cy="1212865"/>
             </a:xfrm>
             <a:prstGeom prst="rect">
               <a:avLst/>
@@ -3448,8 +3448,8 @@
           </p:nvSpPr>
           <p:spPr>
             <a:xfrm>
-              <a:off x="4318617" y="4836889"/>
-              <a:ext cx="1311663" cy="1140535"/>
+              <a:off x="7520305" y="1931068"/>
+              <a:ext cx="1306376" cy="1301913"/>
             </a:xfrm>
             <a:prstGeom prst="rect">
               <a:avLst/>
@@ -3483,8 +3483,8 @@
           </p:nvSpPr>
           <p:spPr>
             <a:xfrm>
-              <a:off x="7567739" y="4609895"/>
-              <a:ext cx="801742" cy="694284"/>
+              <a:off x="8197025" y="4508066"/>
+              <a:ext cx="629656" cy="1005050"/>
             </a:xfrm>
             <a:prstGeom prst="rect">
               <a:avLst/>
@@ -3518,8 +3518,8 @@
           </p:nvSpPr>
           <p:spPr>
             <a:xfrm>
-              <a:off x="2328681" y="1905464"/>
-              <a:ext cx="1989935" cy="2083477"/>
+              <a:off x="1871481" y="1931068"/>
+              <a:ext cx="2291153" cy="2057277"/>
             </a:xfrm>
             <a:prstGeom prst="rect">
               <a:avLst/>
@@ -3553,8 +3553,8 @@
           </p:nvSpPr>
           <p:spPr>
             <a:xfrm>
-              <a:off x="6498465" y="5341529"/>
-              <a:ext cx="1069273" cy="635895"/>
+              <a:off x="7427883" y="4508066"/>
+              <a:ext cx="769141" cy="1005050"/>
             </a:xfrm>
             <a:prstGeom prst="rect">
               <a:avLst/>
@@ -3588,8 +3588,8 @@
           </p:nvSpPr>
           <p:spPr>
             <a:xfrm>
-              <a:off x="5787151" y="1905464"/>
-              <a:ext cx="1360382" cy="1747874"/>
+              <a:off x="4162635" y="3388686"/>
+              <a:ext cx="2002025" cy="1350270"/>
             </a:xfrm>
             <a:prstGeom prst="rect">
               <a:avLst/>
@@ -3623,8 +3623,8 @@
           </p:nvSpPr>
           <p:spPr>
             <a:xfrm>
-              <a:off x="6498465" y="4609895"/>
-              <a:ext cx="1069273" cy="731633"/>
+              <a:off x="6164660" y="5247742"/>
+              <a:ext cx="1263223" cy="704079"/>
             </a:xfrm>
             <a:prstGeom prst="rect">
               <a:avLst/>
@@ -3658,8 +3658,8 @@
           </p:nvSpPr>
           <p:spPr>
             <a:xfrm>
-              <a:off x="6498465" y="3653339"/>
-              <a:ext cx="1011820" cy="956555"/>
+              <a:off x="7963715" y="3232981"/>
+              <a:ext cx="862965" cy="1275085"/>
             </a:xfrm>
             <a:prstGeom prst="rect">
               <a:avLst/>
@@ -3693,8 +3693,8 @@
           </p:nvSpPr>
           <p:spPr>
             <a:xfrm>
-              <a:off x="5630280" y="3653339"/>
-              <a:ext cx="868185" cy="1173097"/>
+              <a:off x="6164660" y="3232981"/>
+              <a:ext cx="908084" cy="1275085"/>
             </a:xfrm>
             <a:prstGeom prst="rect">
               <a:avLst/>
@@ -3728,7 +3728,7 @@
           </p:nvSpPr>
           <p:spPr>
             <a:xfrm>
-              <a:off x="4466126" y="3990535"/>
+              <a:off x="6334160" y="2327446"/>
               <a:ext cx="1016644" cy="103410"/>
             </a:xfrm>
             <a:prstGeom prst="rect">
@@ -3774,7 +3774,7 @@
           </p:nvSpPr>
           <p:spPr>
             <a:xfrm>
-              <a:off x="4466126" y="4195114"/>
+              <a:off x="6334160" y="2532024"/>
               <a:ext cx="1016644" cy="100000"/>
             </a:xfrm>
             <a:prstGeom prst="rect">
@@ -3820,7 +3820,7 @@
           </p:nvSpPr>
           <p:spPr>
             <a:xfrm>
-              <a:off x="4663943" y="4392803"/>
+              <a:off x="6531977" y="2729713"/>
               <a:ext cx="621010" cy="103478"/>
             </a:xfrm>
             <a:prstGeom prst="rect">
@@ -3866,8 +3866,8 @@
           </p:nvSpPr>
           <p:spPr>
             <a:xfrm>
-              <a:off x="5669374" y="5214110"/>
-              <a:ext cx="789997" cy="76323"/>
+              <a:off x="7066560" y="3655756"/>
+              <a:ext cx="903340" cy="87273"/>
             </a:xfrm>
             <a:prstGeom prst="rect">
               <a:avLst/>
@@ -3880,7 +3880,7 @@
             <a:p>
               <a:pPr algn="l" marL="0" marR="0" indent="0">
                 <a:lnSpc>
-                  <a:spcPts val="811"/>
+                  <a:spcPts val="927"/>
                 </a:lnSpc>
                 <a:spcBef>
                   <a:spcPts val="0"/>
@@ -3890,7 +3890,7 @@
                 </a:spcAft>
               </a:pPr>
               <a:r>
-                <a:rPr sz="811" b="1">
+                <a:rPr sz="927" b="1">
                   <a:solidFill>
                     <a:srgbClr val="000000">
                       <a:alpha val="100000"/>
@@ -3912,8 +3912,8 @@
           </p:nvSpPr>
           <p:spPr>
             <a:xfrm>
-              <a:off x="5735257" y="5362536"/>
-              <a:ext cx="658230" cy="76272"/>
+              <a:off x="7141895" y="3825477"/>
+              <a:ext cx="752669" cy="87215"/>
             </a:xfrm>
             <a:prstGeom prst="rect">
               <a:avLst/>
@@ -3926,7 +3926,7 @@
             <a:p>
               <a:pPr algn="l" marL="0" marR="0" indent="0">
                 <a:lnSpc>
-                  <a:spcPts val="811"/>
+                  <a:spcPts val="927"/>
                 </a:lnSpc>
                 <a:spcBef>
                   <a:spcPts val="0"/>
@@ -3936,7 +3936,7 @@
                 </a:spcAft>
               </a:pPr>
               <a:r>
-                <a:rPr sz="811" b="1">
+                <a:rPr sz="927" b="1">
                   <a:solidFill>
                     <a:srgbClr val="000000">
                       <a:alpha val="100000"/>
@@ -3958,8 +3958,8 @@
           </p:nvSpPr>
           <p:spPr>
             <a:xfrm>
-              <a:off x="5826800" y="5510912"/>
-              <a:ext cx="475145" cy="76272"/>
+              <a:off x="7246572" y="3995141"/>
+              <a:ext cx="543316" cy="87215"/>
             </a:xfrm>
             <a:prstGeom prst="rect">
               <a:avLst/>
@@ -3972,7 +3972,7 @@
             <a:p>
               <a:pPr algn="l" marL="0" marR="0" indent="0">
                 <a:lnSpc>
-                  <a:spcPts val="811"/>
+                  <a:spcPts val="927"/>
                 </a:lnSpc>
                 <a:spcBef>
                   <a:spcPts val="0"/>
@@ -3982,7 +3982,7 @@
                 </a:spcAft>
               </a:pPr>
               <a:r>
-                <a:rPr sz="811" b="1">
+                <a:rPr sz="927" b="1">
                   <a:solidFill>
                     <a:srgbClr val="000000">
                       <a:alpha val="100000"/>
@@ -4004,8 +4004,8 @@
           </p:nvSpPr>
           <p:spPr>
             <a:xfrm>
-              <a:off x="4435864" y="2524823"/>
-              <a:ext cx="1234039" cy="103410"/>
+              <a:off x="4224492" y="2505882"/>
+              <a:ext cx="1878310" cy="103410"/>
             </a:xfrm>
             <a:prstGeom prst="rect">
               <a:avLst/>
@@ -4037,7 +4037,7 @@
                   <a:latin typeface="Arial"/>
                   <a:cs typeface="Arial"/>
                 </a:rPr>
-                <a:t>BIOTECHNOLOGY</a:t>
+                <a:t>BIOTECHNOLOGY APPLIED</a:t>
               </a:r>
             </a:p>
           </p:txBody>
@@ -4050,7 +4050,99 @@
           </p:nvSpPr>
           <p:spPr>
             <a:xfrm>
-              <a:off x="4750155" y="2729402"/>
+              <a:off x="4608736" y="2707050"/>
+              <a:ext cx="1109823" cy="103410"/>
+            </a:xfrm>
+            <a:prstGeom prst="rect">
+              <a:avLst/>
+            </a:prstGeom>
+            <a:noFill/>
+          </p:spPr>
+          <p:txBody>
+            <a:bodyPr lIns="0" rIns="0" tIns="0" bIns="0" anchorCtr="1" anchor="ctr" wrap="none"/>
+            <a:lstStyle/>
+            <a:p>
+              <a:pPr algn="l" marL="0" marR="0" indent="0">
+                <a:lnSpc>
+                  <a:spcPts val="1100"/>
+                </a:lnSpc>
+                <a:spcBef>
+                  <a:spcPts val="0"/>
+                </a:spcBef>
+                <a:spcAft>
+                  <a:spcPts val="0"/>
+                </a:spcAft>
+              </a:pPr>
+              <a:r>
+                <a:rPr sz="1100" b="1">
+                  <a:solidFill>
+                    <a:srgbClr val="000000">
+                      <a:alpha val="100000"/>
+                    </a:srgbClr>
+                  </a:solidFill>
+                  <a:latin typeface="Arial"/>
+                  <a:cs typeface="Arial"/>
+                </a:rPr>
+                <a:t>MICROBIOLOGY</a:t>
+              </a:r>
+            </a:p>
+          </p:txBody>
+        </p:sp>
+        <p:sp>
+          <p:nvSpPr>
+            <p:cNvPr id="28" name="tx28"/>
+            <p:cNvSpPr/>
+            <p:nvPr/>
+          </p:nvSpPr>
+          <p:spPr>
+            <a:xfrm>
+              <a:off x="7715924" y="5578406"/>
+              <a:ext cx="822715" cy="103478"/>
+            </a:xfrm>
+            <a:prstGeom prst="rect">
+              <a:avLst/>
+            </a:prstGeom>
+            <a:noFill/>
+          </p:spPr>
+          <p:txBody>
+            <a:bodyPr lIns="0" rIns="0" tIns="0" bIns="0" anchorCtr="1" anchor="ctr" wrap="none"/>
+            <a:lstStyle/>
+            <a:p>
+              <a:pPr algn="l" marL="0" marR="0" indent="0">
+                <a:lnSpc>
+                  <a:spcPts val="1100"/>
+                </a:lnSpc>
+                <a:spcBef>
+                  <a:spcPts val="0"/>
+                </a:spcBef>
+                <a:spcAft>
+                  <a:spcPts val="0"/>
+                </a:spcAft>
+              </a:pPr>
+              <a:r>
+                <a:rPr sz="1100" b="1">
+                  <a:solidFill>
+                    <a:srgbClr val="000000">
+                      <a:alpha val="100000"/>
+                    </a:srgbClr>
+                  </a:solidFill>
+                  <a:latin typeface="Arial"/>
+                  <a:cs typeface="Arial"/>
+                </a:rPr>
+                <a:t>CHEMISTRY</a:t>
+              </a:r>
+            </a:p>
+          </p:txBody>
+        </p:sp>
+        <p:sp>
+          <p:nvSpPr>
+            <p:cNvPr id="29" name="tx29"/>
+            <p:cNvSpPr/>
+            <p:nvPr/>
+          </p:nvSpPr>
+          <p:spPr>
+            <a:xfrm>
+              <a:off x="7824553" y="5783053"/>
               <a:ext cx="605457" cy="100000"/>
             </a:xfrm>
             <a:prstGeom prst="rect">
@@ -4090,13 +4182,381 @@
         </p:sp>
         <p:sp>
           <p:nvSpPr>
-            <p:cNvPr id="28" name="tx28"/>
+            <p:cNvPr id="30" name="tx30"/>
             <p:cNvSpPr/>
             <p:nvPr/>
           </p:nvSpPr>
           <p:spPr>
             <a:xfrm>
-              <a:off x="4497972" y="2927159"/>
+              <a:off x="6427547" y="4824425"/>
+              <a:ext cx="737449" cy="103478"/>
+            </a:xfrm>
+            <a:prstGeom prst="rect">
+              <a:avLst/>
+            </a:prstGeom>
+            <a:noFill/>
+          </p:spPr>
+          <p:txBody>
+            <a:bodyPr lIns="0" rIns="0" tIns="0" bIns="0" anchorCtr="1" anchor="ctr" wrap="none"/>
+            <a:lstStyle/>
+            <a:p>
+              <a:pPr algn="l" marL="0" marR="0" indent="0">
+                <a:lnSpc>
+                  <a:spcPts val="1100"/>
+                </a:lnSpc>
+                <a:spcBef>
+                  <a:spcPts val="0"/>
+                </a:spcBef>
+                <a:spcAft>
+                  <a:spcPts val="0"/>
+                </a:spcAft>
+              </a:pPr>
+              <a:r>
+                <a:rPr sz="1100" b="1">
+                  <a:solidFill>
+                    <a:srgbClr val="000000">
+                      <a:alpha val="100000"/>
+                    </a:srgbClr>
+                  </a:solidFill>
+                  <a:latin typeface="Arial"/>
+                  <a:cs typeface="Arial"/>
+                </a:rPr>
+                <a:t>FISHERIES</a:t>
+              </a:r>
+            </a:p>
+          </p:txBody>
+        </p:sp>
+        <p:sp>
+          <p:nvSpPr>
+            <p:cNvPr id="31" name="tx31"/>
+            <p:cNvSpPr/>
+            <p:nvPr/>
+          </p:nvSpPr>
+          <p:spPr>
+            <a:xfrm>
+              <a:off x="1973128" y="4916604"/>
+              <a:ext cx="2087860" cy="103478"/>
+            </a:xfrm>
+            <a:prstGeom prst="rect">
+              <a:avLst/>
+            </a:prstGeom>
+            <a:noFill/>
+          </p:spPr>
+          <p:txBody>
+            <a:bodyPr lIns="0" rIns="0" tIns="0" bIns="0" anchorCtr="1" anchor="ctr" wrap="none"/>
+            <a:lstStyle/>
+            <a:p>
+              <a:pPr algn="l" marL="0" marR="0" indent="0">
+                <a:lnSpc>
+                  <a:spcPts val="1100"/>
+                </a:lnSpc>
+                <a:spcBef>
+                  <a:spcPts val="0"/>
+                </a:spcBef>
+                <a:spcAft>
+                  <a:spcPts val="0"/>
+                </a:spcAft>
+              </a:pPr>
+              <a:r>
+                <a:rPr sz="1100" b="1">
+                  <a:solidFill>
+                    <a:srgbClr val="000000">
+                      <a:alpha val="100000"/>
+                    </a:srgbClr>
+                  </a:solidFill>
+                  <a:latin typeface="Arial"/>
+                  <a:cs typeface="Arial"/>
+                </a:rPr>
+                <a:t>FOOD SCIENCE TECHNOLOGY</a:t>
+              </a:r>
+            </a:p>
+          </p:txBody>
+        </p:sp>
+        <p:sp>
+          <p:nvSpPr>
+            <p:cNvPr id="32" name="tx32"/>
+            <p:cNvSpPr/>
+            <p:nvPr/>
+          </p:nvSpPr>
+          <p:spPr>
+            <a:xfrm>
+              <a:off x="4375857" y="5191326"/>
+              <a:ext cx="1575581" cy="103478"/>
+            </a:xfrm>
+            <a:prstGeom prst="rect">
+              <a:avLst/>
+            </a:prstGeom>
+            <a:noFill/>
+          </p:spPr>
+          <p:txBody>
+            <a:bodyPr lIns="0" rIns="0" tIns="0" bIns="0" anchorCtr="1" anchor="ctr" wrap="none"/>
+            <a:lstStyle/>
+            <a:p>
+              <a:pPr algn="l" marL="0" marR="0" indent="0">
+                <a:lnSpc>
+                  <a:spcPts val="1100"/>
+                </a:lnSpc>
+                <a:spcBef>
+                  <a:spcPts val="0"/>
+                </a:spcBef>
+                <a:spcAft>
+                  <a:spcPts val="0"/>
+                </a:spcAft>
+              </a:pPr>
+              <a:r>
+                <a:rPr sz="1100" b="1">
+                  <a:solidFill>
+                    <a:srgbClr val="000000">
+                      <a:alpha val="100000"/>
+                    </a:srgbClr>
+                  </a:solidFill>
+                  <a:latin typeface="Arial"/>
+                  <a:cs typeface="Arial"/>
+                </a:rPr>
+                <a:t>GASTROENTEROLOGY</a:t>
+              </a:r>
+            </a:p>
+          </p:txBody>
+        </p:sp>
+        <p:sp>
+          <p:nvSpPr>
+            <p:cNvPr id="33" name="tx33"/>
+            <p:cNvSpPr/>
+            <p:nvPr/>
+          </p:nvSpPr>
+          <p:spPr>
+            <a:xfrm>
+              <a:off x="4674663" y="5392562"/>
+              <a:ext cx="977968" cy="103410"/>
+            </a:xfrm>
+            <a:prstGeom prst="rect">
+              <a:avLst/>
+            </a:prstGeom>
+            <a:noFill/>
+          </p:spPr>
+          <p:txBody>
+            <a:bodyPr lIns="0" rIns="0" tIns="0" bIns="0" anchorCtr="1" anchor="ctr" wrap="none"/>
+            <a:lstStyle/>
+            <a:p>
+              <a:pPr algn="l" marL="0" marR="0" indent="0">
+                <a:lnSpc>
+                  <a:spcPts val="1100"/>
+                </a:lnSpc>
+                <a:spcBef>
+                  <a:spcPts val="0"/>
+                </a:spcBef>
+                <a:spcAft>
+                  <a:spcPts val="0"/>
+                </a:spcAft>
+              </a:pPr>
+              <a:r>
+                <a:rPr sz="1100" b="1">
+                  <a:solidFill>
+                    <a:srgbClr val="000000">
+                      <a:alpha val="100000"/>
+                    </a:srgbClr>
+                  </a:solidFill>
+                  <a:latin typeface="Arial"/>
+                  <a:cs typeface="Arial"/>
+                </a:rPr>
+                <a:t>HEPATOLOGY</a:t>
+              </a:r>
+            </a:p>
+          </p:txBody>
+        </p:sp>
+        <p:sp>
+          <p:nvSpPr>
+            <p:cNvPr id="34" name="tx34"/>
+            <p:cNvSpPr/>
+            <p:nvPr/>
+          </p:nvSpPr>
+          <p:spPr>
+            <a:xfrm>
+              <a:off x="7684577" y="2528614"/>
+              <a:ext cx="977831" cy="103410"/>
+            </a:xfrm>
+            <a:prstGeom prst="rect">
+              <a:avLst/>
+            </a:prstGeom>
+            <a:noFill/>
+          </p:spPr>
+          <p:txBody>
+            <a:bodyPr lIns="0" rIns="0" tIns="0" bIns="0" anchorCtr="1" anchor="ctr" wrap="none"/>
+            <a:lstStyle/>
+            <a:p>
+              <a:pPr algn="l" marL="0" marR="0" indent="0">
+                <a:lnSpc>
+                  <a:spcPts val="1100"/>
+                </a:lnSpc>
+                <a:spcBef>
+                  <a:spcPts val="0"/>
+                </a:spcBef>
+                <a:spcAft>
+                  <a:spcPts val="0"/>
+                </a:spcAft>
+              </a:pPr>
+              <a:r>
+                <a:rPr sz="1100" b="1">
+                  <a:solidFill>
+                    <a:srgbClr val="000000">
+                      <a:alpha val="100000"/>
+                    </a:srgbClr>
+                  </a:solidFill>
+                  <a:latin typeface="Arial"/>
+                  <a:cs typeface="Arial"/>
+                </a:rPr>
+                <a:t>IMMUNOLOGY</a:t>
+              </a:r>
+            </a:p>
+          </p:txBody>
+        </p:sp>
+        <p:sp>
+          <p:nvSpPr>
+            <p:cNvPr id="35" name="tx35"/>
+            <p:cNvSpPr/>
+            <p:nvPr/>
+          </p:nvSpPr>
+          <p:spPr>
+            <a:xfrm>
+              <a:off x="8237087" y="4805766"/>
+              <a:ext cx="549531" cy="83200"/>
+            </a:xfrm>
+            <a:prstGeom prst="rect">
+              <a:avLst/>
+            </a:prstGeom>
+            <a:noFill/>
+          </p:spPr>
+          <p:txBody>
+            <a:bodyPr lIns="0" rIns="0" tIns="0" bIns="0" anchorCtr="1" anchor="ctr" wrap="none"/>
+            <a:lstStyle/>
+            <a:p>
+              <a:pPr algn="l" marL="0" marR="0" indent="0">
+                <a:lnSpc>
+                  <a:spcPts val="885"/>
+                </a:lnSpc>
+                <a:spcBef>
+                  <a:spcPts val="0"/>
+                </a:spcBef>
+                <a:spcAft>
+                  <a:spcPts val="0"/>
+                </a:spcAft>
+              </a:pPr>
+              <a:r>
+                <a:rPr sz="885" b="1">
+                  <a:solidFill>
+                    <a:srgbClr val="000000">
+                      <a:alpha val="100000"/>
+                    </a:srgbClr>
+                  </a:solidFill>
+                  <a:latin typeface="Arial"/>
+                  <a:cs typeface="Arial"/>
+                </a:rPr>
+                <a:t>MEDICINE</a:t>
+              </a:r>
+            </a:p>
+          </p:txBody>
+        </p:sp>
+        <p:sp>
+          <p:nvSpPr>
+            <p:cNvPr id="36" name="tx36"/>
+            <p:cNvSpPr/>
+            <p:nvPr/>
+          </p:nvSpPr>
+          <p:spPr>
+            <a:xfrm>
+              <a:off x="8237087" y="4967619"/>
+              <a:ext cx="549531" cy="83200"/>
+            </a:xfrm>
+            <a:prstGeom prst="rect">
+              <a:avLst/>
+            </a:prstGeom>
+            <a:noFill/>
+          </p:spPr>
+          <p:txBody>
+            <a:bodyPr lIns="0" rIns="0" tIns="0" bIns="0" anchorCtr="1" anchor="ctr" wrap="none"/>
+            <a:lstStyle/>
+            <a:p>
+              <a:pPr algn="l" marL="0" marR="0" indent="0">
+                <a:lnSpc>
+                  <a:spcPts val="885"/>
+                </a:lnSpc>
+                <a:spcBef>
+                  <a:spcPts val="0"/>
+                </a:spcBef>
+                <a:spcAft>
+                  <a:spcPts val="0"/>
+                </a:spcAft>
+              </a:pPr>
+              <a:r>
+                <a:rPr sz="885" b="1">
+                  <a:solidFill>
+                    <a:srgbClr val="000000">
+                      <a:alpha val="100000"/>
+                    </a:srgbClr>
+                  </a:solidFill>
+                  <a:latin typeface="Arial"/>
+                  <a:cs typeface="Arial"/>
+                </a:rPr>
+                <a:t>GENERAL</a:t>
+              </a:r>
+            </a:p>
+          </p:txBody>
+        </p:sp>
+        <p:sp>
+          <p:nvSpPr>
+            <p:cNvPr id="37" name="tx37"/>
+            <p:cNvSpPr/>
+            <p:nvPr/>
+          </p:nvSpPr>
+          <p:spPr>
+            <a:xfrm>
+              <a:off x="8227757" y="5132216"/>
+              <a:ext cx="568191" cy="80456"/>
+            </a:xfrm>
+            <a:prstGeom prst="rect">
+              <a:avLst/>
+            </a:prstGeom>
+            <a:noFill/>
+          </p:spPr>
+          <p:txBody>
+            <a:bodyPr lIns="0" rIns="0" tIns="0" bIns="0" anchorCtr="1" anchor="ctr" wrap="none"/>
+            <a:lstStyle/>
+            <a:p>
+              <a:pPr algn="l" marL="0" marR="0" indent="0">
+                <a:lnSpc>
+                  <a:spcPts val="885"/>
+                </a:lnSpc>
+                <a:spcBef>
+                  <a:spcPts val="0"/>
+                </a:spcBef>
+                <a:spcAft>
+                  <a:spcPts val="0"/>
+                </a:spcAft>
+              </a:pPr>
+              <a:r>
+                <a:rPr sz="885" b="1">
+                  <a:solidFill>
+                    <a:srgbClr val="000000">
+                      <a:alpha val="100000"/>
+                    </a:srgbClr>
+                  </a:solidFill>
+                  <a:latin typeface="Arial"/>
+                  <a:cs typeface="Arial"/>
+                </a:rPr>
+                <a:t>INTERNAL</a:t>
+              </a:r>
+            </a:p>
+          </p:txBody>
+        </p:sp>
+        <p:sp>
+          <p:nvSpPr>
+            <p:cNvPr id="38" name="tx38"/>
+            <p:cNvSpPr/>
+            <p:nvPr/>
+          </p:nvSpPr>
+          <p:spPr>
+            <a:xfrm>
+              <a:off x="2462146" y="2906296"/>
               <a:ext cx="1109823" cy="103410"/>
             </a:xfrm>
             <a:prstGeom prst="rect">
@@ -4136,14 +4596,14 @@
         </p:sp>
         <p:sp>
           <p:nvSpPr>
-            <p:cNvPr id="29" name="tx29"/>
+            <p:cNvPr id="39" name="tx39"/>
             <p:cNvSpPr/>
             <p:nvPr/>
           </p:nvSpPr>
           <p:spPr>
             <a:xfrm>
-              <a:off x="7610957" y="5506852"/>
-              <a:ext cx="715306" cy="89969"/>
+              <a:off x="7415118" y="4923915"/>
+              <a:ext cx="794672" cy="58217"/>
             </a:xfrm>
             <a:prstGeom prst="rect">
               <a:avLst/>
@@ -4156,7 +4616,7 @@
             <a:p>
               <a:pPr algn="l" marL="0" marR="0" indent="0">
                 <a:lnSpc>
-                  <a:spcPts val="956"/>
+                  <a:spcPts val="618"/>
                 </a:lnSpc>
                 <a:spcBef>
                   <a:spcPts val="0"/>
@@ -4166,7 +4626,7 @@
                 </a:spcAft>
               </a:pPr>
               <a:r>
-                <a:rPr sz="956" b="1">
+                <a:rPr sz="618" b="1">
                   <a:solidFill>
                     <a:srgbClr val="000000">
                       <a:alpha val="100000"/>
@@ -4175,21 +4635,21 @@
                   <a:latin typeface="Arial"/>
                   <a:cs typeface="Arial"/>
                 </a:rPr>
-                <a:t>CHEMISTRY</a:t>
+                <a:t>MULTIDISCIPLINARY</a:t>
               </a:r>
             </a:p>
           </p:txBody>
         </p:sp>
         <p:sp>
           <p:nvSpPr>
-            <p:cNvPr id="30" name="tx30"/>
+            <p:cNvPr id="40" name="tx40"/>
             <p:cNvSpPr/>
             <p:nvPr/>
           </p:nvSpPr>
           <p:spPr>
             <a:xfrm>
-              <a:off x="7705404" y="5684782"/>
-              <a:ext cx="526412" cy="86944"/>
+              <a:off x="7611550" y="5037093"/>
+              <a:ext cx="401807" cy="58217"/>
             </a:xfrm>
             <a:prstGeom prst="rect">
               <a:avLst/>
@@ -4202,7 +4662,7 @@
             <a:p>
               <a:pPr algn="l" marL="0" marR="0" indent="0">
                 <a:lnSpc>
-                  <a:spcPts val="956"/>
+                  <a:spcPts val="618"/>
                 </a:lnSpc>
                 <a:spcBef>
                   <a:spcPts val="0"/>
@@ -4212,7 +4672,7 @@
                 </a:spcAft>
               </a:pPr>
               <a:r>
-                <a:rPr sz="956" b="1">
+                <a:rPr sz="618" b="1">
                   <a:solidFill>
                     <a:srgbClr val="000000">
                       <a:alpha val="100000"/>
@@ -4221,21 +4681,21 @@
                   <a:latin typeface="Arial"/>
                   <a:cs typeface="Arial"/>
                 </a:rPr>
-                <a:t>APPLIED</a:t>
+                <a:t>SCIENCES</a:t>
               </a:r>
             </a:p>
           </p:txBody>
         </p:sp>
         <p:sp>
           <p:nvSpPr>
-            <p:cNvPr id="31" name="tx31"/>
+            <p:cNvPr id="41" name="tx41"/>
             <p:cNvSpPr/>
             <p:nvPr/>
           </p:nvSpPr>
           <p:spPr>
             <a:xfrm>
-              <a:off x="7571158" y="4078138"/>
-              <a:ext cx="737449" cy="103478"/>
+              <a:off x="4399186" y="4010342"/>
+              <a:ext cx="1528923" cy="103478"/>
             </a:xfrm>
             <a:prstGeom prst="rect">
               <a:avLst/>
@@ -4267,467 +4727,7 @@
                   <a:latin typeface="Arial"/>
                   <a:cs typeface="Arial"/>
                 </a:rPr>
-                <a:t>FISHERIES</a:t>
-              </a:r>
-            </a:p>
-          </p:txBody>
-        </p:sp>
-        <p:sp>
-          <p:nvSpPr>
-            <p:cNvPr id="32" name="tx32"/>
-            <p:cNvSpPr/>
-            <p:nvPr/>
-          </p:nvSpPr>
-          <p:spPr>
-            <a:xfrm>
-              <a:off x="2791964" y="4829121"/>
-              <a:ext cx="1063370" cy="103478"/>
-            </a:xfrm>
-            <a:prstGeom prst="rect">
-              <a:avLst/>
-            </a:prstGeom>
-            <a:noFill/>
-          </p:spPr>
-          <p:txBody>
-            <a:bodyPr lIns="0" rIns="0" tIns="0" bIns="0" anchorCtr="1" anchor="ctr" wrap="none"/>
-            <a:lstStyle/>
-            <a:p>
-              <a:pPr algn="l" marL="0" marR="0" indent="0">
-                <a:lnSpc>
-                  <a:spcPts val="1100"/>
-                </a:lnSpc>
-                <a:spcBef>
-                  <a:spcPts val="0"/>
-                </a:spcBef>
-                <a:spcAft>
-                  <a:spcPts val="0"/>
-                </a:spcAft>
-              </a:pPr>
-              <a:r>
-                <a:rPr sz="1100" b="1">
-                  <a:solidFill>
-                    <a:srgbClr val="000000">
-                      <a:alpha val="100000"/>
-                    </a:srgbClr>
-                  </a:solidFill>
-                  <a:latin typeface="Arial"/>
-                  <a:cs typeface="Arial"/>
-                </a:rPr>
-                <a:t>FOOD SCIENCE</a:t>
-              </a:r>
-            </a:p>
-          </p:txBody>
-        </p:sp>
-        <p:sp>
-          <p:nvSpPr>
-            <p:cNvPr id="33" name="tx33"/>
-            <p:cNvSpPr/>
-            <p:nvPr/>
-          </p:nvSpPr>
-          <p:spPr>
-            <a:xfrm>
-              <a:off x="2830811" y="5030357"/>
-              <a:ext cx="985676" cy="103410"/>
-            </a:xfrm>
-            <a:prstGeom prst="rect">
-              <a:avLst/>
-            </a:prstGeom>
-            <a:noFill/>
-          </p:spPr>
-          <p:txBody>
-            <a:bodyPr lIns="0" rIns="0" tIns="0" bIns="0" anchorCtr="1" anchor="ctr" wrap="none"/>
-            <a:lstStyle/>
-            <a:p>
-              <a:pPr algn="l" marL="0" marR="0" indent="0">
-                <a:lnSpc>
-                  <a:spcPts val="1100"/>
-                </a:lnSpc>
-                <a:spcBef>
-                  <a:spcPts val="0"/>
-                </a:spcBef>
-                <a:spcAft>
-                  <a:spcPts val="0"/>
-                </a:spcAft>
-              </a:pPr>
-              <a:r>
-                <a:rPr sz="1100" b="1">
-                  <a:solidFill>
-                    <a:srgbClr val="000000">
-                      <a:alpha val="100000"/>
-                    </a:srgbClr>
-                  </a:solidFill>
-                  <a:latin typeface="Arial"/>
-                  <a:cs typeface="Arial"/>
-                </a:rPr>
-                <a:t>TECHNOLOGY</a:t>
-              </a:r>
-            </a:p>
-          </p:txBody>
-        </p:sp>
-        <p:sp>
-          <p:nvSpPr>
-            <p:cNvPr id="34" name="tx34"/>
-            <p:cNvSpPr/>
-            <p:nvPr/>
-          </p:nvSpPr>
-          <p:spPr>
-            <a:xfrm>
-              <a:off x="7228438" y="2675740"/>
-              <a:ext cx="1060137" cy="69626"/>
-            </a:xfrm>
-            <a:prstGeom prst="rect">
-              <a:avLst/>
-            </a:prstGeom>
-            <a:noFill/>
-          </p:spPr>
-          <p:txBody>
-            <a:bodyPr lIns="0" rIns="0" tIns="0" bIns="0" anchorCtr="1" anchor="ctr" wrap="none"/>
-            <a:lstStyle/>
-            <a:p>
-              <a:pPr algn="l" marL="0" marR="0" indent="0">
-                <a:lnSpc>
-                  <a:spcPts val="740"/>
-                </a:lnSpc>
-                <a:spcBef>
-                  <a:spcPts val="0"/>
-                </a:spcBef>
-                <a:spcAft>
-                  <a:spcPts val="0"/>
-                </a:spcAft>
-              </a:pPr>
-              <a:r>
-                <a:rPr sz="740" b="1">
-                  <a:solidFill>
-                    <a:srgbClr val="000000">
-                      <a:alpha val="100000"/>
-                    </a:srgbClr>
-                  </a:solidFill>
-                  <a:latin typeface="Arial"/>
-                  <a:cs typeface="Arial"/>
-                </a:rPr>
-                <a:t>GASTROENTEROLOGY</a:t>
-              </a:r>
-            </a:p>
-          </p:txBody>
-        </p:sp>
-        <p:sp>
-          <p:nvSpPr>
-            <p:cNvPr id="35" name="tx35"/>
-            <p:cNvSpPr/>
-            <p:nvPr/>
-          </p:nvSpPr>
-          <p:spPr>
-            <a:xfrm>
-              <a:off x="7429492" y="2811142"/>
-              <a:ext cx="658030" cy="69580"/>
-            </a:xfrm>
-            <a:prstGeom prst="rect">
-              <a:avLst/>
-            </a:prstGeom>
-            <a:noFill/>
-          </p:spPr>
-          <p:txBody>
-            <a:bodyPr lIns="0" rIns="0" tIns="0" bIns="0" anchorCtr="1" anchor="ctr" wrap="none"/>
-            <a:lstStyle/>
-            <a:p>
-              <a:pPr algn="l" marL="0" marR="0" indent="0">
-                <a:lnSpc>
-                  <a:spcPts val="740"/>
-                </a:lnSpc>
-                <a:spcBef>
-                  <a:spcPts val="0"/>
-                </a:spcBef>
-                <a:spcAft>
-                  <a:spcPts val="0"/>
-                </a:spcAft>
-              </a:pPr>
-              <a:r>
-                <a:rPr sz="740" b="1">
-                  <a:solidFill>
-                    <a:srgbClr val="000000">
-                      <a:alpha val="100000"/>
-                    </a:srgbClr>
-                  </a:solidFill>
-                  <a:latin typeface="Arial"/>
-                  <a:cs typeface="Arial"/>
-                </a:rPr>
-                <a:t>HEPATOLOGY</a:t>
-              </a:r>
-            </a:p>
-          </p:txBody>
-        </p:sp>
-        <p:sp>
-          <p:nvSpPr>
-            <p:cNvPr id="36" name="tx36"/>
-            <p:cNvSpPr/>
-            <p:nvPr/>
-          </p:nvSpPr>
-          <p:spPr>
-            <a:xfrm>
-              <a:off x="4485532" y="5353746"/>
-              <a:ext cx="977831" cy="103410"/>
-            </a:xfrm>
-            <a:prstGeom prst="rect">
-              <a:avLst/>
-            </a:prstGeom>
-            <a:noFill/>
-          </p:spPr>
-          <p:txBody>
-            <a:bodyPr lIns="0" rIns="0" tIns="0" bIns="0" anchorCtr="1" anchor="ctr" wrap="none"/>
-            <a:lstStyle/>
-            <a:p>
-              <a:pPr algn="l" marL="0" marR="0" indent="0">
-                <a:lnSpc>
-                  <a:spcPts val="1100"/>
-                </a:lnSpc>
-                <a:spcBef>
-                  <a:spcPts val="0"/>
-                </a:spcBef>
-                <a:spcAft>
-                  <a:spcPts val="0"/>
-                </a:spcAft>
-              </a:pPr>
-              <a:r>
-                <a:rPr sz="1100" b="1">
-                  <a:solidFill>
-                    <a:srgbClr val="000000">
-                      <a:alpha val="100000"/>
-                    </a:srgbClr>
-                  </a:solidFill>
-                  <a:latin typeface="Arial"/>
-                  <a:cs typeface="Arial"/>
-                </a:rPr>
-                <a:t>IMMUNOLOGY</a:t>
-              </a:r>
-            </a:p>
-          </p:txBody>
-        </p:sp>
-        <p:sp>
-          <p:nvSpPr>
-            <p:cNvPr id="37" name="tx37"/>
-            <p:cNvSpPr/>
-            <p:nvPr/>
-          </p:nvSpPr>
-          <p:spPr>
-            <a:xfrm>
-              <a:off x="7627102" y="4702458"/>
-              <a:ext cx="683015" cy="103410"/>
-            </a:xfrm>
-            <a:prstGeom prst="rect">
-              <a:avLst/>
-            </a:prstGeom>
-            <a:noFill/>
-          </p:spPr>
-          <p:txBody>
-            <a:bodyPr lIns="0" rIns="0" tIns="0" bIns="0" anchorCtr="1" anchor="ctr" wrap="none"/>
-            <a:lstStyle/>
-            <a:p>
-              <a:pPr algn="l" marL="0" marR="0" indent="0">
-                <a:lnSpc>
-                  <a:spcPts val="1100"/>
-                </a:lnSpc>
-                <a:spcBef>
-                  <a:spcPts val="0"/>
-                </a:spcBef>
-                <a:spcAft>
-                  <a:spcPts val="0"/>
-                </a:spcAft>
-              </a:pPr>
-              <a:r>
-                <a:rPr sz="1100" b="1">
-                  <a:solidFill>
-                    <a:srgbClr val="000000">
-                      <a:alpha val="100000"/>
-                    </a:srgbClr>
-                  </a:solidFill>
-                  <a:latin typeface="Arial"/>
-                  <a:cs typeface="Arial"/>
-                </a:rPr>
-                <a:t>MEDICINE</a:t>
-              </a:r>
-            </a:p>
-          </p:txBody>
-        </p:sp>
-        <p:sp>
-          <p:nvSpPr>
-            <p:cNvPr id="38" name="tx38"/>
-            <p:cNvSpPr/>
-            <p:nvPr/>
-          </p:nvSpPr>
-          <p:spPr>
-            <a:xfrm>
-              <a:off x="7627102" y="4903626"/>
-              <a:ext cx="683015" cy="103410"/>
-            </a:xfrm>
-            <a:prstGeom prst="rect">
-              <a:avLst/>
-            </a:prstGeom>
-            <a:noFill/>
-          </p:spPr>
-          <p:txBody>
-            <a:bodyPr lIns="0" rIns="0" tIns="0" bIns="0" anchorCtr="1" anchor="ctr" wrap="none"/>
-            <a:lstStyle/>
-            <a:p>
-              <a:pPr algn="l" marL="0" marR="0" indent="0">
-                <a:lnSpc>
-                  <a:spcPts val="1100"/>
-                </a:lnSpc>
-                <a:spcBef>
-                  <a:spcPts val="0"/>
-                </a:spcBef>
-                <a:spcAft>
-                  <a:spcPts val="0"/>
-                </a:spcAft>
-              </a:pPr>
-              <a:r>
-                <a:rPr sz="1100" b="1">
-                  <a:solidFill>
-                    <a:srgbClr val="000000">
-                      <a:alpha val="100000"/>
-                    </a:srgbClr>
-                  </a:solidFill>
-                  <a:latin typeface="Arial"/>
-                  <a:cs typeface="Arial"/>
-                </a:rPr>
-                <a:t>GENERAL</a:t>
-              </a:r>
-            </a:p>
-          </p:txBody>
-        </p:sp>
-        <p:sp>
-          <p:nvSpPr>
-            <p:cNvPr id="39" name="tx39"/>
-            <p:cNvSpPr/>
-            <p:nvPr/>
-          </p:nvSpPr>
-          <p:spPr>
-            <a:xfrm>
-              <a:off x="7615506" y="5108205"/>
-              <a:ext cx="706208" cy="100000"/>
-            </a:xfrm>
-            <a:prstGeom prst="rect">
-              <a:avLst/>
-            </a:prstGeom>
-            <a:noFill/>
-          </p:spPr>
-          <p:txBody>
-            <a:bodyPr lIns="0" rIns="0" tIns="0" bIns="0" anchorCtr="1" anchor="ctr" wrap="none"/>
-            <a:lstStyle/>
-            <a:p>
-              <a:pPr algn="l" marL="0" marR="0" indent="0">
-                <a:lnSpc>
-                  <a:spcPts val="1100"/>
-                </a:lnSpc>
-                <a:spcBef>
-                  <a:spcPts val="0"/>
-                </a:spcBef>
-                <a:spcAft>
-                  <a:spcPts val="0"/>
-                </a:spcAft>
-              </a:pPr>
-              <a:r>
-                <a:rPr sz="1100" b="1">
-                  <a:solidFill>
-                    <a:srgbClr val="000000">
-                      <a:alpha val="100000"/>
-                    </a:srgbClr>
-                  </a:solidFill>
-                  <a:latin typeface="Arial"/>
-                  <a:cs typeface="Arial"/>
-                </a:rPr>
-                <a:t>INTERNAL</a:t>
-              </a:r>
-            </a:p>
-          </p:txBody>
-        </p:sp>
-        <p:sp>
-          <p:nvSpPr>
-            <p:cNvPr id="40" name="tx40"/>
-            <p:cNvSpPr/>
-            <p:nvPr/>
-          </p:nvSpPr>
-          <p:spPr>
-            <a:xfrm>
-              <a:off x="2768737" y="2893793"/>
-              <a:ext cx="1109823" cy="103410"/>
-            </a:xfrm>
-            <a:prstGeom prst="rect">
-              <a:avLst/>
-            </a:prstGeom>
-            <a:noFill/>
-          </p:spPr>
-          <p:txBody>
-            <a:bodyPr lIns="0" rIns="0" tIns="0" bIns="0" anchorCtr="1" anchor="ctr" wrap="none"/>
-            <a:lstStyle/>
-            <a:p>
-              <a:pPr algn="l" marL="0" marR="0" indent="0">
-                <a:lnSpc>
-                  <a:spcPts val="1100"/>
-                </a:lnSpc>
-                <a:spcBef>
-                  <a:spcPts val="0"/>
-                </a:spcBef>
-                <a:spcAft>
-                  <a:spcPts val="0"/>
-                </a:spcAft>
-              </a:pPr>
-              <a:r>
-                <a:rPr sz="1100" b="1">
-                  <a:solidFill>
-                    <a:srgbClr val="000000">
-                      <a:alpha val="100000"/>
-                    </a:srgbClr>
-                  </a:solidFill>
-                  <a:latin typeface="Arial"/>
-                  <a:cs typeface="Arial"/>
-                </a:rPr>
-                <a:t>MICROBIOLOGY</a:t>
-              </a:r>
-            </a:p>
-          </p:txBody>
-        </p:sp>
-        <p:sp>
-          <p:nvSpPr>
-            <p:cNvPr id="41" name="tx41"/>
-            <p:cNvSpPr/>
-            <p:nvPr/>
-          </p:nvSpPr>
-          <p:spPr>
-            <a:xfrm>
-              <a:off x="6566671" y="5557727"/>
-              <a:ext cx="932861" cy="68341"/>
-            </a:xfrm>
-            <a:prstGeom prst="rect">
-              <a:avLst/>
-            </a:prstGeom>
-            <a:noFill/>
-          </p:spPr>
-          <p:txBody>
-            <a:bodyPr lIns="0" rIns="0" tIns="0" bIns="0" anchorCtr="1" anchor="ctr" wrap="none"/>
-            <a:lstStyle/>
-            <a:p>
-              <a:pPr algn="l" marL="0" marR="0" indent="0">
-                <a:lnSpc>
-                  <a:spcPts val="726"/>
-                </a:lnSpc>
-                <a:spcBef>
-                  <a:spcPts val="0"/>
-                </a:spcBef>
-                <a:spcAft>
-                  <a:spcPts val="0"/>
-                </a:spcAft>
-              </a:pPr>
-              <a:r>
-                <a:rPr sz="726" b="1">
-                  <a:solidFill>
-                    <a:srgbClr val="000000">
-                      <a:alpha val="100000"/>
-                    </a:srgbClr>
-                  </a:solidFill>
-                  <a:latin typeface="Arial"/>
-                  <a:cs typeface="Arial"/>
-                </a:rPr>
-                <a:t>MULTIDISCIPLINARY</a:t>
+                <a:t>NUTRITION DIETETICS</a:t>
               </a:r>
             </a:p>
           </p:txBody>
@@ -4740,145 +4740,7 @@
           </p:nvSpPr>
           <p:spPr>
             <a:xfrm>
-              <a:off x="6797262" y="5690587"/>
-              <a:ext cx="471679" cy="68341"/>
-            </a:xfrm>
-            <a:prstGeom prst="rect">
-              <a:avLst/>
-            </a:prstGeom>
-            <a:noFill/>
-          </p:spPr>
-          <p:txBody>
-            <a:bodyPr lIns="0" rIns="0" tIns="0" bIns="0" anchorCtr="1" anchor="ctr" wrap="none"/>
-            <a:lstStyle/>
-            <a:p>
-              <a:pPr algn="l" marL="0" marR="0" indent="0">
-                <a:lnSpc>
-                  <a:spcPts val="726"/>
-                </a:lnSpc>
-                <a:spcBef>
-                  <a:spcPts val="0"/>
-                </a:spcBef>
-                <a:spcAft>
-                  <a:spcPts val="0"/>
-                </a:spcAft>
-              </a:pPr>
-              <a:r>
-                <a:rPr sz="726" b="1">
-                  <a:solidFill>
-                    <a:srgbClr val="000000">
-                      <a:alpha val="100000"/>
-                    </a:srgbClr>
-                  </a:solidFill>
-                  <a:latin typeface="Arial"/>
-                  <a:cs typeface="Arial"/>
-                </a:rPr>
-                <a:t>SCIENCES</a:t>
-              </a:r>
-            </a:p>
-          </p:txBody>
-        </p:sp>
-        <p:sp>
-          <p:nvSpPr>
-            <p:cNvPr id="43" name="tx43"/>
-            <p:cNvSpPr/>
-            <p:nvPr/>
-          </p:nvSpPr>
-          <p:spPr>
-            <a:xfrm>
-              <a:off x="6087089" y="2625407"/>
-              <a:ext cx="760505" cy="103410"/>
-            </a:xfrm>
-            <a:prstGeom prst="rect">
-              <a:avLst/>
-            </a:prstGeom>
-            <a:noFill/>
-          </p:spPr>
-          <p:txBody>
-            <a:bodyPr lIns="0" rIns="0" tIns="0" bIns="0" anchorCtr="1" anchor="ctr" wrap="none"/>
-            <a:lstStyle/>
-            <a:p>
-              <a:pPr algn="l" marL="0" marR="0" indent="0">
-                <a:lnSpc>
-                  <a:spcPts val="1100"/>
-                </a:lnSpc>
-                <a:spcBef>
-                  <a:spcPts val="0"/>
-                </a:spcBef>
-                <a:spcAft>
-                  <a:spcPts val="0"/>
-                </a:spcAft>
-              </a:pPr>
-              <a:r>
-                <a:rPr sz="1100" b="1">
-                  <a:solidFill>
-                    <a:srgbClr val="000000">
-                      <a:alpha val="100000"/>
-                    </a:srgbClr>
-                  </a:solidFill>
-                  <a:latin typeface="Arial"/>
-                  <a:cs typeface="Arial"/>
-                </a:rPr>
-                <a:t>NUTRITION</a:t>
-              </a:r>
-            </a:p>
-          </p:txBody>
-        </p:sp>
-        <p:sp>
-          <p:nvSpPr>
-            <p:cNvPr id="44" name="tx44"/>
-            <p:cNvSpPr/>
-            <p:nvPr/>
-          </p:nvSpPr>
-          <p:spPr>
-            <a:xfrm>
-              <a:off x="6102539" y="2826507"/>
-              <a:ext cx="729605" cy="103478"/>
-            </a:xfrm>
-            <a:prstGeom prst="rect">
-              <a:avLst/>
-            </a:prstGeom>
-            <a:noFill/>
-          </p:spPr>
-          <p:txBody>
-            <a:bodyPr lIns="0" rIns="0" tIns="0" bIns="0" anchorCtr="1" anchor="ctr" wrap="none"/>
-            <a:lstStyle/>
-            <a:p>
-              <a:pPr algn="l" marL="0" marR="0" indent="0">
-                <a:lnSpc>
-                  <a:spcPts val="1100"/>
-                </a:lnSpc>
-                <a:spcBef>
-                  <a:spcPts val="0"/>
-                </a:spcBef>
-                <a:spcAft>
-                  <a:spcPts val="0"/>
-                </a:spcAft>
-              </a:pPr>
-              <a:r>
-                <a:rPr sz="1100" b="1">
-                  <a:solidFill>
-                    <a:srgbClr val="000000">
-                      <a:alpha val="100000"/>
-                    </a:srgbClr>
-                  </a:solidFill>
-                  <a:latin typeface="Arial"/>
-                  <a:cs typeface="Arial"/>
-                </a:rPr>
-                <a:t>DIETETICS</a:t>
-              </a:r>
-            </a:p>
-          </p:txBody>
-        </p:sp>
-        <p:sp>
-          <p:nvSpPr>
-            <p:cNvPr id="45" name="tx45"/>
-            <p:cNvSpPr/>
-            <p:nvPr/>
-          </p:nvSpPr>
-          <p:spPr>
-            <a:xfrm>
-              <a:off x="6610080" y="4922233"/>
+              <a:off x="6373249" y="5546303"/>
               <a:ext cx="846044" cy="103478"/>
             </a:xfrm>
             <a:prstGeom prst="rect">
@@ -4918,14 +4780,14 @@
         </p:sp>
         <p:sp>
           <p:nvSpPr>
-            <p:cNvPr id="46" name="tx46"/>
+            <p:cNvPr id="43" name="tx43"/>
             <p:cNvSpPr/>
             <p:nvPr/>
           </p:nvSpPr>
           <p:spPr>
             <a:xfrm>
-              <a:off x="6486886" y="4000814"/>
-              <a:ext cx="1034978" cy="87836"/>
+              <a:off x="8006588" y="3772297"/>
+              <a:ext cx="777220" cy="65961"/>
             </a:xfrm>
             <a:prstGeom prst="rect">
               <a:avLst/>
@@ -4938,7 +4800,7 @@
             <a:p>
               <a:pPr algn="l" marL="0" marR="0" indent="0">
                 <a:lnSpc>
-                  <a:spcPts val="934"/>
+                  <a:spcPts val="701"/>
                 </a:lnSpc>
                 <a:spcBef>
                   <a:spcPts val="0"/>
@@ -4948,7 +4810,7 @@
                 </a:spcAft>
               </a:pPr>
               <a:r>
-                <a:rPr sz="934" b="1">
+                <a:rPr sz="701" b="1">
                   <a:solidFill>
                     <a:srgbClr val="000000">
                       <a:alpha val="100000"/>
@@ -4964,14 +4826,14 @@
         </p:sp>
         <p:sp>
           <p:nvSpPr>
-            <p:cNvPr id="47" name="tx47"/>
+            <p:cNvPr id="44" name="tx44"/>
             <p:cNvSpPr/>
             <p:nvPr/>
           </p:nvSpPr>
           <p:spPr>
             <a:xfrm>
-              <a:off x="6661574" y="4171686"/>
-              <a:ext cx="685601" cy="87836"/>
+              <a:off x="8137771" y="3900613"/>
+              <a:ext cx="514854" cy="65961"/>
             </a:xfrm>
             <a:prstGeom prst="rect">
               <a:avLst/>
@@ -4984,7 +4846,7 @@
             <a:p>
               <a:pPr algn="l" marL="0" marR="0" indent="0">
                 <a:lnSpc>
-                  <a:spcPts val="934"/>
+                  <a:spcPts val="701"/>
                 </a:lnSpc>
                 <a:spcBef>
                   <a:spcPts val="0"/>
@@ -4994,7 +4856,7 @@
                 </a:spcAft>
               </a:pPr>
               <a:r>
-                <a:rPr sz="934" b="1">
+                <a:rPr sz="701" b="1">
                   <a:solidFill>
                     <a:srgbClr val="000000">
                       <a:alpha val="100000"/>
@@ -5010,14 +4872,14 @@
         </p:sp>
         <p:sp>
           <p:nvSpPr>
-            <p:cNvPr id="48" name="tx48"/>
+            <p:cNvPr id="45" name="tx45"/>
             <p:cNvSpPr/>
             <p:nvPr/>
           </p:nvSpPr>
           <p:spPr>
             <a:xfrm>
-              <a:off x="5678401" y="4110788"/>
-              <a:ext cx="771942" cy="85732"/>
+              <a:off x="6168497" y="3719940"/>
+              <a:ext cx="900410" cy="100000"/>
             </a:xfrm>
             <a:prstGeom prst="rect">
               <a:avLst/>
@@ -5030,7 +4892,7 @@
             <a:p>
               <a:pPr algn="l" marL="0" marR="0" indent="0">
                 <a:lnSpc>
-                  <a:spcPts val="943"/>
+                  <a:spcPts val="1100"/>
                 </a:lnSpc>
                 <a:spcBef>
                   <a:spcPts val="0"/>
@@ -5040,7 +4902,7 @@
                 </a:spcAft>
               </a:pPr>
               <a:r>
-                <a:rPr sz="943" b="1">
+                <a:rPr sz="1100" b="1">
                   <a:solidFill>
                     <a:srgbClr val="000000">
                       <a:alpha val="100000"/>
@@ -5056,14 +4918,14 @@
         </p:sp>
         <p:sp>
           <p:nvSpPr>
-            <p:cNvPr id="49" name="tx49"/>
+            <p:cNvPr id="46" name="tx46"/>
             <p:cNvSpPr/>
             <p:nvPr/>
           </p:nvSpPr>
           <p:spPr>
             <a:xfrm>
-              <a:off x="5758227" y="4280272"/>
-              <a:ext cx="612291" cy="88714"/>
+              <a:off x="6261608" y="3917629"/>
+              <a:ext cx="714188" cy="103478"/>
             </a:xfrm>
             <a:prstGeom prst="rect">
               <a:avLst/>
@@ -5076,7 +4938,7 @@
             <a:p>
               <a:pPr algn="l" marL="0" marR="0" indent="0">
                 <a:lnSpc>
-                  <a:spcPts val="943"/>
+                  <a:spcPts val="1100"/>
                 </a:lnSpc>
                 <a:spcBef>
                   <a:spcPts val="0"/>
@@ -5086,7 +4948,7 @@
                 </a:spcAft>
               </a:pPr>
               <a:r>
-                <a:rPr sz="943" b="1">
+                <a:rPr sz="1100" b="1">
                   <a:solidFill>
                     <a:srgbClr val="000000">
                       <a:alpha val="100000"/>
